--- a/nat1.pptx
+++ b/nat1.pptx
@@ -3500,7 +3500,7 @@
           <a:p>
             <a:r>
               <a:rPr lang="en-US" dirty="0"/>
-              <a:t>10.1.3.0/24</a:t>
+              <a:t>10.29.3.0/24</a:t>
             </a:r>
           </a:p>
         </p:txBody>
@@ -3569,9 +3569,10 @@
           <a:lstStyle/>
           <a:p>
             <a:r>
-              <a:rPr lang="en-US" dirty="0"/>
-              <a:t>10.1.4.0/24</a:t>
-            </a:r>
+              <a:rPr lang="en-US"/>
+              <a:t>10.29.4.0/24</a:t>
+            </a:r>
+            <a:endParaRPr lang="en-US" dirty="0"/>
           </a:p>
         </p:txBody>
       </p:sp>
